--- a/Präsentation2.pptx
+++ b/Präsentation2.pptx
@@ -1798,7 +1798,7 @@
             </a:pPr>
             <a:fld id="{B0C16283-BD92-4339-8247-06E73D674713}" type="datetime1">
               <a:rPr lang="de-DE" smtClean="0"/>
-              <a:t>08.11.2016</a:t>
+              <a:t>23.12.2016</a:t>
             </a:fld>
             <a:endParaRPr lang="de-DE" dirty="0"/>
           </a:p>
@@ -1986,7 +1986,7 @@
             </a:pPr>
             <a:fld id="{2238F060-0E64-45EC-A68C-1011D140D922}" type="datetime1">
               <a:rPr lang="de-DE" smtClean="0"/>
-              <a:t>08.11.2016</a:t>
+              <a:t>23.12.2016</a:t>
             </a:fld>
             <a:endParaRPr lang="de-DE" dirty="0"/>
           </a:p>
@@ -2172,7 +2172,7 @@
             </a:pPr>
             <a:fld id="{AF4B9F38-77DF-4311-AB3B-1FE9C203202B}" type="datetime1">
               <a:rPr lang="de-DE" smtClean="0"/>
-              <a:t>08.11.2016</a:t>
+              <a:t>23.12.2016</a:t>
             </a:fld>
             <a:endParaRPr lang="de-DE" dirty="0"/>
           </a:p>
@@ -2373,7 +2373,7 @@
             </a:pPr>
             <a:fld id="{E1D50DD6-4DEF-4EBD-86A5-A72EBB8B1E7F}" type="datetime1">
               <a:rPr lang="de-DE" smtClean="0"/>
-              <a:t>08.11.2016</a:t>
+              <a:t>23.12.2016</a:t>
             </a:fld>
             <a:endParaRPr lang="de-DE" dirty="0"/>
           </a:p>
@@ -2668,7 +2668,7 @@
             </a:pPr>
             <a:fld id="{E023DE0C-A89C-4E46-94A2-4FF36904D3E7}" type="datetime1">
               <a:rPr lang="de-DE" smtClean="0"/>
-              <a:t>08.11.2016</a:t>
+              <a:t>23.12.2016</a:t>
             </a:fld>
             <a:endParaRPr lang="de-DE" dirty="0"/>
           </a:p>
@@ -3102,7 +3102,7 @@
             </a:pPr>
             <a:fld id="{5671FD0D-5C3E-40CA-A845-DFAF6558C36F}" type="datetime1">
               <a:rPr lang="de-DE" smtClean="0"/>
-              <a:t>08.11.2016</a:t>
+              <a:t>23.12.2016</a:t>
             </a:fld>
             <a:endParaRPr lang="de-DE" dirty="0"/>
           </a:p>
@@ -3229,7 +3229,7 @@
             </a:pPr>
             <a:fld id="{65C80176-B451-4CDC-A83E-8BA2712CF6E3}" type="datetime1">
               <a:rPr lang="de-DE" smtClean="0"/>
-              <a:t>08.11.2016</a:t>
+              <a:t>23.12.2016</a:t>
             </a:fld>
             <a:endParaRPr lang="de-DE" dirty="0"/>
           </a:p>
@@ -3334,7 +3334,7 @@
             </a:pPr>
             <a:fld id="{BB2EF331-533D-43E8-98EF-D5E77BEEC685}" type="datetime1">
               <a:rPr lang="de-DE" smtClean="0"/>
-              <a:t>08.11.2016</a:t>
+              <a:t>23.12.2016</a:t>
             </a:fld>
             <a:endParaRPr lang="de-DE" dirty="0"/>
           </a:p>
@@ -3619,7 +3619,7 @@
             </a:pPr>
             <a:fld id="{377CE587-F783-4721-A2C7-B2525FC3CB84}" type="datetime1">
               <a:rPr lang="de-DE" smtClean="0"/>
-              <a:t>08.11.2016</a:t>
+              <a:t>23.12.2016</a:t>
             </a:fld>
             <a:endParaRPr lang="de-DE" dirty="0"/>
           </a:p>
@@ -3885,7 +3885,7 @@
             </a:pPr>
             <a:fld id="{405FB47F-7F63-4220-9184-D2D5EDBCAE3E}" type="datetime1">
               <a:rPr lang="de-DE" smtClean="0"/>
-              <a:t>08.11.2016</a:t>
+              <a:t>23.12.2016</a:t>
             </a:fld>
             <a:endParaRPr lang="de-DE" dirty="0"/>
           </a:p>
@@ -4608,7 +4608,7 @@
             </a:pPr>
             <a:fld id="{56677EF1-1153-47DE-8676-34AD711244DB}" type="datetime1">
               <a:rPr lang="de-DE" smtClean="0"/>
-              <a:t>08.11.2016</a:t>
+              <a:t>23.12.2016</a:t>
             </a:fld>
             <a:endParaRPr lang="de-DE" dirty="0"/>
           </a:p>
@@ -5662,7 +5662,7 @@
             </a:pPr>
             <a:fld id="{5BF0FFF1-A233-4F62-B8F6-507320609628}" type="datetime1">
               <a:rPr lang="de-DE" smtClean="0"/>
-              <a:t>08.11.2016</a:t>
+              <a:t>23.12.2016</a:t>
             </a:fld>
             <a:endParaRPr lang="de-DE" dirty="0"/>
           </a:p>
